--- a/19-HPA/HPA.pptx
+++ b/19-HPA/HPA.pptx
@@ -4,11 +4,15 @@
   <p:sldMasterIdLst>
     <p:sldMasterId id="2147483648" r:id="rId1"/>
   </p:sldMasterIdLst>
+  <p:notesMasterIdLst>
+    <p:notesMasterId r:id="rId7"/>
+  </p:notesMasterIdLst>
   <p:sldIdLst>
     <p:sldId id="261" r:id="rId2"/>
-    <p:sldId id="260" r:id="rId3"/>
-    <p:sldId id="262" r:id="rId4"/>
-    <p:sldId id="274" r:id="rId5"/>
+    <p:sldId id="275" r:id="rId3"/>
+    <p:sldId id="260" r:id="rId4"/>
+    <p:sldId id="262" r:id="rId5"/>
+    <p:sldId id="274" r:id="rId6"/>
   </p:sldIdLst>
   <p:sldSz cx="12192000" cy="6858000"/>
   <p:notesSz cx="6858000" cy="9144000"/>
@@ -115,6 +119,440 @@
 </p:presentation>
 </file>
 
+<file path=ppt/notesMasters/notesMaster1.xml><?xml version="1.0" encoding="utf-8"?>
+<p:notesMaster xmlns:a="http://schemas.openxmlformats.org/drawingml/2006/main" xmlns:r="http://schemas.openxmlformats.org/officeDocument/2006/relationships" xmlns:p="http://schemas.openxmlformats.org/presentationml/2006/main">
+  <p:cSld>
+    <p:bg>
+      <p:bgRef idx="1001">
+        <a:schemeClr val="bg1"/>
+      </p:bgRef>
+    </p:bg>
+    <p:spTree>
+      <p:nvGrpSpPr>
+        <p:cNvPr id="1" name=""/>
+        <p:cNvGrpSpPr/>
+        <p:nvPr/>
+      </p:nvGrpSpPr>
+      <p:grpSpPr>
+        <a:xfrm>
+          <a:off x="0" y="0"/>
+          <a:ext cx="0" cy="0"/>
+          <a:chOff x="0" y="0"/>
+          <a:chExt cx="0" cy="0"/>
+        </a:xfrm>
+      </p:grpSpPr>
+      <p:sp>
+        <p:nvSpPr>
+          <p:cNvPr id="2" name="Header Placeholder 1"/>
+          <p:cNvSpPr>
+            <a:spLocks noGrp="1"/>
+          </p:cNvSpPr>
+          <p:nvPr>
+            <p:ph type="hdr" sz="quarter"/>
+          </p:nvPr>
+        </p:nvSpPr>
+        <p:spPr>
+          <a:xfrm>
+            <a:off x="0" y="0"/>
+            <a:ext cx="2971800" cy="458788"/>
+          </a:xfrm>
+          <a:prstGeom prst="rect">
+            <a:avLst/>
+          </a:prstGeom>
+        </p:spPr>
+        <p:txBody>
+          <a:bodyPr vert="horz" lIns="91440" tIns="45720" rIns="91440" bIns="45720" rtlCol="0"/>
+          <a:lstStyle>
+            <a:lvl1pPr algn="l">
+              <a:defRPr sz="1200"/>
+            </a:lvl1pPr>
+          </a:lstStyle>
+          <a:p>
+            <a:endParaRPr lang="en-SG"/>
+          </a:p>
+        </p:txBody>
+      </p:sp>
+      <p:sp>
+        <p:nvSpPr>
+          <p:cNvPr id="3" name="Date Placeholder 2"/>
+          <p:cNvSpPr>
+            <a:spLocks noGrp="1"/>
+          </p:cNvSpPr>
+          <p:nvPr>
+            <p:ph type="dt" idx="1"/>
+          </p:nvPr>
+        </p:nvSpPr>
+        <p:spPr>
+          <a:xfrm>
+            <a:off x="3884613" y="0"/>
+            <a:ext cx="2971800" cy="458788"/>
+          </a:xfrm>
+          <a:prstGeom prst="rect">
+            <a:avLst/>
+          </a:prstGeom>
+        </p:spPr>
+        <p:txBody>
+          <a:bodyPr vert="horz" lIns="91440" tIns="45720" rIns="91440" bIns="45720" rtlCol="0"/>
+          <a:lstStyle>
+            <a:lvl1pPr algn="r">
+              <a:defRPr sz="1200"/>
+            </a:lvl1pPr>
+          </a:lstStyle>
+          <a:p>
+            <a:fld id="{A728D333-BE2B-45D1-ACD8-9759C82DF2B9}" type="datetimeFigureOut">
+              <a:rPr lang="en-SG" smtClean="0"/>
+              <a:t>25/10/2018</a:t>
+            </a:fld>
+            <a:endParaRPr lang="en-SG"/>
+          </a:p>
+        </p:txBody>
+      </p:sp>
+      <p:sp>
+        <p:nvSpPr>
+          <p:cNvPr id="4" name="Slide Image Placeholder 3"/>
+          <p:cNvSpPr>
+            <a:spLocks noGrp="1" noRot="1" noChangeAspect="1"/>
+          </p:cNvSpPr>
+          <p:nvPr>
+            <p:ph type="sldImg" idx="2"/>
+          </p:nvPr>
+        </p:nvSpPr>
+        <p:spPr>
+          <a:xfrm>
+            <a:off x="685800" y="1143000"/>
+            <a:ext cx="5486400" cy="3086100"/>
+          </a:xfrm>
+          <a:prstGeom prst="rect">
+            <a:avLst/>
+          </a:prstGeom>
+          <a:noFill/>
+          <a:ln w="12700">
+            <a:solidFill>
+              <a:prstClr val="black"/>
+            </a:solidFill>
+          </a:ln>
+        </p:spPr>
+        <p:txBody>
+          <a:bodyPr vert="horz" lIns="91440" tIns="45720" rIns="91440" bIns="45720" rtlCol="0" anchor="ctr"/>
+          <a:lstStyle/>
+          <a:p>
+            <a:endParaRPr lang="en-SG"/>
+          </a:p>
+        </p:txBody>
+      </p:sp>
+      <p:sp>
+        <p:nvSpPr>
+          <p:cNvPr id="5" name="Notes Placeholder 4"/>
+          <p:cNvSpPr>
+            <a:spLocks noGrp="1"/>
+          </p:cNvSpPr>
+          <p:nvPr>
+            <p:ph type="body" sz="quarter" idx="3"/>
+          </p:nvPr>
+        </p:nvSpPr>
+        <p:spPr>
+          <a:xfrm>
+            <a:off x="685800" y="4400550"/>
+            <a:ext cx="5486400" cy="3600450"/>
+          </a:xfrm>
+          <a:prstGeom prst="rect">
+            <a:avLst/>
+          </a:prstGeom>
+        </p:spPr>
+        <p:txBody>
+          <a:bodyPr vert="horz" lIns="91440" tIns="45720" rIns="91440" bIns="45720" rtlCol="0"/>
+          <a:lstStyle/>
+          <a:p>
+            <a:pPr lvl="0"/>
+            <a:r>
+              <a:rPr lang="en-US"/>
+              <a:t>Edit Master text styles</a:t>
+            </a:r>
+          </a:p>
+          <a:p>
+            <a:pPr lvl="1"/>
+            <a:r>
+              <a:rPr lang="en-US"/>
+              <a:t>Second level</a:t>
+            </a:r>
+          </a:p>
+          <a:p>
+            <a:pPr lvl="2"/>
+            <a:r>
+              <a:rPr lang="en-US"/>
+              <a:t>Third level</a:t>
+            </a:r>
+          </a:p>
+          <a:p>
+            <a:pPr lvl="3"/>
+            <a:r>
+              <a:rPr lang="en-US"/>
+              <a:t>Fourth level</a:t>
+            </a:r>
+          </a:p>
+          <a:p>
+            <a:pPr lvl="4"/>
+            <a:r>
+              <a:rPr lang="en-US"/>
+              <a:t>Fifth level</a:t>
+            </a:r>
+            <a:endParaRPr lang="en-SG"/>
+          </a:p>
+        </p:txBody>
+      </p:sp>
+      <p:sp>
+        <p:nvSpPr>
+          <p:cNvPr id="6" name="Footer Placeholder 5"/>
+          <p:cNvSpPr>
+            <a:spLocks noGrp="1"/>
+          </p:cNvSpPr>
+          <p:nvPr>
+            <p:ph type="ftr" sz="quarter" idx="4"/>
+          </p:nvPr>
+        </p:nvSpPr>
+        <p:spPr>
+          <a:xfrm>
+            <a:off x="0" y="8685213"/>
+            <a:ext cx="2971800" cy="458787"/>
+          </a:xfrm>
+          <a:prstGeom prst="rect">
+            <a:avLst/>
+          </a:prstGeom>
+        </p:spPr>
+        <p:txBody>
+          <a:bodyPr vert="horz" lIns="91440" tIns="45720" rIns="91440" bIns="45720" rtlCol="0" anchor="b"/>
+          <a:lstStyle>
+            <a:lvl1pPr algn="l">
+              <a:defRPr sz="1200"/>
+            </a:lvl1pPr>
+          </a:lstStyle>
+          <a:p>
+            <a:endParaRPr lang="en-SG"/>
+          </a:p>
+        </p:txBody>
+      </p:sp>
+      <p:sp>
+        <p:nvSpPr>
+          <p:cNvPr id="7" name="Slide Number Placeholder 6"/>
+          <p:cNvSpPr>
+            <a:spLocks noGrp="1"/>
+          </p:cNvSpPr>
+          <p:nvPr>
+            <p:ph type="sldNum" sz="quarter" idx="5"/>
+          </p:nvPr>
+        </p:nvSpPr>
+        <p:spPr>
+          <a:xfrm>
+            <a:off x="3884613" y="8685213"/>
+            <a:ext cx="2971800" cy="458787"/>
+          </a:xfrm>
+          <a:prstGeom prst="rect">
+            <a:avLst/>
+          </a:prstGeom>
+        </p:spPr>
+        <p:txBody>
+          <a:bodyPr vert="horz" lIns="91440" tIns="45720" rIns="91440" bIns="45720" rtlCol="0" anchor="b"/>
+          <a:lstStyle>
+            <a:lvl1pPr algn="r">
+              <a:defRPr sz="1200"/>
+            </a:lvl1pPr>
+          </a:lstStyle>
+          <a:p>
+            <a:fld id="{614CD0FB-22C6-4A06-96EE-1B2239B582CE}" type="slidenum">
+              <a:rPr lang="en-SG" smtClean="0"/>
+              <a:t>‹#›</a:t>
+            </a:fld>
+            <a:endParaRPr lang="en-SG"/>
+          </a:p>
+        </p:txBody>
+      </p:sp>
+    </p:spTree>
+    <p:extLst>
+      <p:ext uri="{BB962C8B-B14F-4D97-AF65-F5344CB8AC3E}">
+        <p14:creationId xmlns:p14="http://schemas.microsoft.com/office/powerpoint/2010/main" val="4127041262"/>
+      </p:ext>
+    </p:extLst>
+  </p:cSld>
+  <p:clrMap bg1="lt1" tx1="dk1" bg2="lt2" tx2="dk2" accent1="accent1" accent2="accent2" accent3="accent3" accent4="accent4" accent5="accent5" accent6="accent6" hlink="hlink" folHlink="folHlink"/>
+  <p:notesStyle>
+    <a:lvl1pPr marL="0" algn="l" defTabSz="914400" rtl="0" eaLnBrk="1" latinLnBrk="0" hangingPunct="1">
+      <a:defRPr sz="1200" kern="1200">
+        <a:solidFill>
+          <a:schemeClr val="tx1"/>
+        </a:solidFill>
+        <a:latin typeface="+mn-lt"/>
+        <a:ea typeface="+mn-ea"/>
+        <a:cs typeface="+mn-cs"/>
+      </a:defRPr>
+    </a:lvl1pPr>
+    <a:lvl2pPr marL="457200" algn="l" defTabSz="914400" rtl="0" eaLnBrk="1" latinLnBrk="0" hangingPunct="1">
+      <a:defRPr sz="1200" kern="1200">
+        <a:solidFill>
+          <a:schemeClr val="tx1"/>
+        </a:solidFill>
+        <a:latin typeface="+mn-lt"/>
+        <a:ea typeface="+mn-ea"/>
+        <a:cs typeface="+mn-cs"/>
+      </a:defRPr>
+    </a:lvl2pPr>
+    <a:lvl3pPr marL="914400" algn="l" defTabSz="914400" rtl="0" eaLnBrk="1" latinLnBrk="0" hangingPunct="1">
+      <a:defRPr sz="1200" kern="1200">
+        <a:solidFill>
+          <a:schemeClr val="tx1"/>
+        </a:solidFill>
+        <a:latin typeface="+mn-lt"/>
+        <a:ea typeface="+mn-ea"/>
+        <a:cs typeface="+mn-cs"/>
+      </a:defRPr>
+    </a:lvl3pPr>
+    <a:lvl4pPr marL="1371600" algn="l" defTabSz="914400" rtl="0" eaLnBrk="1" latinLnBrk="0" hangingPunct="1">
+      <a:defRPr sz="1200" kern="1200">
+        <a:solidFill>
+          <a:schemeClr val="tx1"/>
+        </a:solidFill>
+        <a:latin typeface="+mn-lt"/>
+        <a:ea typeface="+mn-ea"/>
+        <a:cs typeface="+mn-cs"/>
+      </a:defRPr>
+    </a:lvl4pPr>
+    <a:lvl5pPr marL="1828800" algn="l" defTabSz="914400" rtl="0" eaLnBrk="1" latinLnBrk="0" hangingPunct="1">
+      <a:defRPr sz="1200" kern="1200">
+        <a:solidFill>
+          <a:schemeClr val="tx1"/>
+        </a:solidFill>
+        <a:latin typeface="+mn-lt"/>
+        <a:ea typeface="+mn-ea"/>
+        <a:cs typeface="+mn-cs"/>
+      </a:defRPr>
+    </a:lvl5pPr>
+    <a:lvl6pPr marL="2286000" algn="l" defTabSz="914400" rtl="0" eaLnBrk="1" latinLnBrk="0" hangingPunct="1">
+      <a:defRPr sz="1200" kern="1200">
+        <a:solidFill>
+          <a:schemeClr val="tx1"/>
+        </a:solidFill>
+        <a:latin typeface="+mn-lt"/>
+        <a:ea typeface="+mn-ea"/>
+        <a:cs typeface="+mn-cs"/>
+      </a:defRPr>
+    </a:lvl6pPr>
+    <a:lvl7pPr marL="2743200" algn="l" defTabSz="914400" rtl="0" eaLnBrk="1" latinLnBrk="0" hangingPunct="1">
+      <a:defRPr sz="1200" kern="1200">
+        <a:solidFill>
+          <a:schemeClr val="tx1"/>
+        </a:solidFill>
+        <a:latin typeface="+mn-lt"/>
+        <a:ea typeface="+mn-ea"/>
+        <a:cs typeface="+mn-cs"/>
+      </a:defRPr>
+    </a:lvl7pPr>
+    <a:lvl8pPr marL="3200400" algn="l" defTabSz="914400" rtl="0" eaLnBrk="1" latinLnBrk="0" hangingPunct="1">
+      <a:defRPr sz="1200" kern="1200">
+        <a:solidFill>
+          <a:schemeClr val="tx1"/>
+        </a:solidFill>
+        <a:latin typeface="+mn-lt"/>
+        <a:ea typeface="+mn-ea"/>
+        <a:cs typeface="+mn-cs"/>
+      </a:defRPr>
+    </a:lvl8pPr>
+    <a:lvl9pPr marL="3657600" algn="l" defTabSz="914400" rtl="0" eaLnBrk="1" latinLnBrk="0" hangingPunct="1">
+      <a:defRPr sz="1200" kern="1200">
+        <a:solidFill>
+          <a:schemeClr val="tx1"/>
+        </a:solidFill>
+        <a:latin typeface="+mn-lt"/>
+        <a:ea typeface="+mn-ea"/>
+        <a:cs typeface="+mn-cs"/>
+      </a:defRPr>
+    </a:lvl9pPr>
+  </p:notesStyle>
+</p:notesMaster>
+</file>
+
+<file path=ppt/notesSlides/notesSlide1.xml><?xml version="1.0" encoding="utf-8"?>
+<p:notes xmlns:a="http://schemas.openxmlformats.org/drawingml/2006/main" xmlns:r="http://schemas.openxmlformats.org/officeDocument/2006/relationships" xmlns:p="http://schemas.openxmlformats.org/presentationml/2006/main">
+  <p:cSld>
+    <p:spTree>
+      <p:nvGrpSpPr>
+        <p:cNvPr id="1" name=""/>
+        <p:cNvGrpSpPr/>
+        <p:nvPr/>
+      </p:nvGrpSpPr>
+      <p:grpSpPr>
+        <a:xfrm>
+          <a:off x="0" y="0"/>
+          <a:ext cx="0" cy="0"/>
+          <a:chOff x="0" y="0"/>
+          <a:chExt cx="0" cy="0"/>
+        </a:xfrm>
+      </p:grpSpPr>
+      <p:sp>
+        <p:nvSpPr>
+          <p:cNvPr id="2" name="Slide Image Placeholder 1"/>
+          <p:cNvSpPr>
+            <a:spLocks noGrp="1" noRot="1" noChangeAspect="1"/>
+          </p:cNvSpPr>
+          <p:nvPr>
+            <p:ph type="sldImg"/>
+          </p:nvPr>
+        </p:nvSpPr>
+        <p:spPr/>
+      </p:sp>
+      <p:sp>
+        <p:nvSpPr>
+          <p:cNvPr id="3" name="Notes Placeholder 2"/>
+          <p:cNvSpPr>
+            <a:spLocks noGrp="1"/>
+          </p:cNvSpPr>
+          <p:nvPr>
+            <p:ph type="body" idx="1"/>
+          </p:nvPr>
+        </p:nvSpPr>
+        <p:spPr/>
+        <p:txBody>
+          <a:bodyPr/>
+          <a:lstStyle/>
+          <a:p>
+            <a:endParaRPr lang="en-SG" dirty="0"/>
+          </a:p>
+        </p:txBody>
+      </p:sp>
+      <p:sp>
+        <p:nvSpPr>
+          <p:cNvPr id="4" name="Slide Number Placeholder 3"/>
+          <p:cNvSpPr>
+            <a:spLocks noGrp="1"/>
+          </p:cNvSpPr>
+          <p:nvPr>
+            <p:ph type="sldNum" sz="quarter" idx="5"/>
+          </p:nvPr>
+        </p:nvSpPr>
+        <p:spPr/>
+        <p:txBody>
+          <a:bodyPr/>
+          <a:lstStyle/>
+          <a:p>
+            <a:fld id="{614CD0FB-22C6-4A06-96EE-1B2239B582CE}" type="slidenum">
+              <a:rPr lang="en-SG" smtClean="0"/>
+              <a:t>3</a:t>
+            </a:fld>
+            <a:endParaRPr lang="en-SG"/>
+          </a:p>
+        </p:txBody>
+      </p:sp>
+    </p:spTree>
+    <p:extLst>
+      <p:ext uri="{BB962C8B-B14F-4D97-AF65-F5344CB8AC3E}">
+        <p14:creationId xmlns:p14="http://schemas.microsoft.com/office/powerpoint/2010/main" val="2992902583"/>
+      </p:ext>
+    </p:extLst>
+  </p:cSld>
+  <p:clrMapOvr>
+    <a:masterClrMapping/>
+  </p:clrMapOvr>
+</p:notes>
+</file>
+
 <file path=ppt/slideLayouts/slideLayout1.xml><?xml version="1.0" encoding="utf-8"?>
 <p:sldLayout xmlns:a="http://schemas.openxmlformats.org/drawingml/2006/main" xmlns:r="http://schemas.openxmlformats.org/officeDocument/2006/relationships" xmlns:p="http://schemas.openxmlformats.org/presentationml/2006/main" type="title" preserve="1">
   <p:cSld name="Title Slide">
@@ -246,7 +684,7 @@
           <a:p>
             <a:fld id="{981537E1-7AA7-47AC-B885-1DF6B4C86F00}" type="datetimeFigureOut">
               <a:rPr lang="en-SG" smtClean="0"/>
-              <a:t>22/10/2018</a:t>
+              <a:t>25/10/2018</a:t>
             </a:fld>
             <a:endParaRPr lang="en-SG"/>
           </a:p>
@@ -416,7 +854,7 @@
           <a:p>
             <a:fld id="{981537E1-7AA7-47AC-B885-1DF6B4C86F00}" type="datetimeFigureOut">
               <a:rPr lang="en-SG" smtClean="0"/>
-              <a:t>22/10/2018</a:t>
+              <a:t>25/10/2018</a:t>
             </a:fld>
             <a:endParaRPr lang="en-SG"/>
           </a:p>
@@ -596,7 +1034,7 @@
           <a:p>
             <a:fld id="{981537E1-7AA7-47AC-B885-1DF6B4C86F00}" type="datetimeFigureOut">
               <a:rPr lang="en-SG" smtClean="0"/>
-              <a:t>22/10/2018</a:t>
+              <a:t>25/10/2018</a:t>
             </a:fld>
             <a:endParaRPr lang="en-SG"/>
           </a:p>
@@ -766,7 +1204,7 @@
           <a:p>
             <a:fld id="{981537E1-7AA7-47AC-B885-1DF6B4C86F00}" type="datetimeFigureOut">
               <a:rPr lang="en-SG" smtClean="0"/>
-              <a:t>22/10/2018</a:t>
+              <a:t>25/10/2018</a:t>
             </a:fld>
             <a:endParaRPr lang="en-SG"/>
           </a:p>
@@ -1012,7 +1450,7 @@
           <a:p>
             <a:fld id="{981537E1-7AA7-47AC-B885-1DF6B4C86F00}" type="datetimeFigureOut">
               <a:rPr lang="en-SG" smtClean="0"/>
-              <a:t>22/10/2018</a:t>
+              <a:t>25/10/2018</a:t>
             </a:fld>
             <a:endParaRPr lang="en-SG"/>
           </a:p>
@@ -1244,7 +1682,7 @@
           <a:p>
             <a:fld id="{981537E1-7AA7-47AC-B885-1DF6B4C86F00}" type="datetimeFigureOut">
               <a:rPr lang="en-SG" smtClean="0"/>
-              <a:t>22/10/2018</a:t>
+              <a:t>25/10/2018</a:t>
             </a:fld>
             <a:endParaRPr lang="en-SG"/>
           </a:p>
@@ -1611,7 +2049,7 @@
           <a:p>
             <a:fld id="{981537E1-7AA7-47AC-B885-1DF6B4C86F00}" type="datetimeFigureOut">
               <a:rPr lang="en-SG" smtClean="0"/>
-              <a:t>22/10/2018</a:t>
+              <a:t>25/10/2018</a:t>
             </a:fld>
             <a:endParaRPr lang="en-SG"/>
           </a:p>
@@ -1729,7 +2167,7 @@
           <a:p>
             <a:fld id="{981537E1-7AA7-47AC-B885-1DF6B4C86F00}" type="datetimeFigureOut">
               <a:rPr lang="en-SG" smtClean="0"/>
-              <a:t>22/10/2018</a:t>
+              <a:t>25/10/2018</a:t>
             </a:fld>
             <a:endParaRPr lang="en-SG"/>
           </a:p>
@@ -1824,7 +2262,7 @@
           <a:p>
             <a:fld id="{981537E1-7AA7-47AC-B885-1DF6B4C86F00}" type="datetimeFigureOut">
               <a:rPr lang="en-SG" smtClean="0"/>
-              <a:t>22/10/2018</a:t>
+              <a:t>25/10/2018</a:t>
             </a:fld>
             <a:endParaRPr lang="en-SG"/>
           </a:p>
@@ -2101,7 +2539,7 @@
           <a:p>
             <a:fld id="{981537E1-7AA7-47AC-B885-1DF6B4C86F00}" type="datetimeFigureOut">
               <a:rPr lang="en-SG" smtClean="0"/>
-              <a:t>22/10/2018</a:t>
+              <a:t>25/10/2018</a:t>
             </a:fld>
             <a:endParaRPr lang="en-SG"/>
           </a:p>
@@ -2354,7 +2792,7 @@
           <a:p>
             <a:fld id="{981537E1-7AA7-47AC-B885-1DF6B4C86F00}" type="datetimeFigureOut">
               <a:rPr lang="en-SG" smtClean="0"/>
-              <a:t>22/10/2018</a:t>
+              <a:t>25/10/2018</a:t>
             </a:fld>
             <a:endParaRPr lang="en-SG"/>
           </a:p>
@@ -2567,7 +3005,7 @@
           <a:p>
             <a:fld id="{981537E1-7AA7-47AC-B885-1DF6B4C86F00}" type="datetimeFigureOut">
               <a:rPr lang="en-SG" smtClean="0"/>
-              <a:t>22/10/2018</a:t>
+              <a:t>25/10/2018</a:t>
             </a:fld>
             <a:endParaRPr lang="en-SG"/>
           </a:p>
@@ -3073,17 +3511,7 @@
             </a:r>
             <a:r>
               <a:rPr lang="en-US" dirty="0"/>
-              <a:t> automatically scales the number of pods in a replication controller, deployment or replica set based on observed CPU utilization (or, with </a:t>
-            </a:r>
-            <a:r>
-              <a:rPr lang="en-US" dirty="0">
-                <a:hlinkClick r:id="rId2"/>
-              </a:rPr>
-              <a:t>custom metrics</a:t>
-            </a:r>
-            <a:r>
-              <a:rPr lang="en-US" dirty="0"/>
-              <a:t> support, on some other application-provided metrics). Note that Horizontal Pod </a:t>
+              <a:t> automatically scales the number of pods in a replication controller, deployment or replica set based on observed CPU utilization (support, on some other application-provided metrics). Note that Horizontal Pod </a:t>
             </a:r>
             <a:r>
               <a:rPr lang="en-US" dirty="0" err="1"/>
@@ -3108,7 +3536,7 @@
       <p:pic>
         <p:nvPicPr>
           <p:cNvPr id="5" name="Picture 3" descr="Image result for kubernetes">
-            <a:hlinkClick r:id="rId3"/>
+            <a:hlinkClick r:id="rId2"/>
             <a:extLst>
               <a:ext uri="{FF2B5EF4-FFF2-40B4-BE49-F238E27FC236}">
                 <a16:creationId xmlns:a16="http://schemas.microsoft.com/office/drawing/2014/main" id="{6158C71B-ECA9-45CE-AA1A-F44AA2982F6D}"/>
@@ -3121,7 +3549,7 @@
           <p:nvPr/>
         </p:nvPicPr>
         <p:blipFill>
-          <a:blip r:embed="rId4">
+          <a:blip r:embed="rId3">
             <a:extLst>
               <a:ext uri="{28A0092B-C50C-407E-A947-70E740481C1C}">
                 <a14:useLocalDpi xmlns:a14="http://schemas.microsoft.com/office/drawing/2010/main" val="0"/>
@@ -3169,6 +3597,14 @@
 <file path=ppt/slides/slide2.xml><?xml version="1.0" encoding="utf-8"?>
 <p:sld xmlns:a="http://schemas.openxmlformats.org/drawingml/2006/main" xmlns:r="http://schemas.openxmlformats.org/officeDocument/2006/relationships" xmlns:p="http://schemas.openxmlformats.org/presentationml/2006/main">
   <p:cSld>
+    <p:bg>
+      <p:bgPr>
+        <a:solidFill>
+          <a:schemeClr val="bg1"/>
+        </a:solidFill>
+        <a:effectLst/>
+      </p:bgPr>
+    </p:bg>
     <p:spTree>
       <p:nvGrpSpPr>
         <p:cNvPr id="1" name=""/>
@@ -3185,63 +3621,660 @@
       </p:grpSpPr>
       <p:sp>
         <p:nvSpPr>
-          <p:cNvPr id="2" name="Title 1"/>
-          <p:cNvSpPr>
-            <a:spLocks noGrp="1"/>
-          </p:cNvSpPr>
-          <p:nvPr>
-            <p:ph type="title"/>
-          </p:nvPr>
-        </p:nvSpPr>
-        <p:spPr/>
-        <p:txBody>
-          <a:bodyPr/>
-          <a:lstStyle/>
-          <a:p>
-            <a:r>
-              <a:rPr lang="en-SG" b="1" dirty="0"/>
-              <a:t>Horizontal Pod </a:t>
-            </a:r>
-            <a:r>
-              <a:rPr lang="en-SG" b="1" dirty="0" err="1"/>
-              <a:t>Autoscaling</a:t>
-            </a:r>
-            <a:br>
-              <a:rPr lang="en-SG" b="1" dirty="0"/>
-            </a:br>
-            <a:endParaRPr lang="en-SG" dirty="0"/>
+          <p:cNvPr id="9" name="Rectangle 8">
+            <a:extLst>
+              <a:ext uri="{FF2B5EF4-FFF2-40B4-BE49-F238E27FC236}">
+                <a16:creationId xmlns:a16="http://schemas.microsoft.com/office/drawing/2014/main" id="{56C20283-73E0-40EC-8AD8-057F581F64C2}"/>
+              </a:ext>
+              <a:ext uri="{C183D7F6-B498-43B3-948B-1728B52AA6E4}">
+                <adec:decorative xmlns:adec="http://schemas.microsoft.com/office/drawing/2017/decorative" val="1"/>
+              </a:ext>
+            </a:extLst>
+          </p:cNvPr>
+          <p:cNvSpPr>
+            <a:spLocks noGrp="1" noRot="1" noChangeAspect="1" noMove="1" noResize="1" noEditPoints="1" noAdjustHandles="1" noChangeArrowheads="1" noChangeShapeType="1" noTextEdit="1"/>
+          </p:cNvSpPr>
+          <p:nvPr>
+            <p:extLst>
+              <p:ext uri="{386F3935-93C4-4BCD-93E2-E3B085C9AB24}">
+                <p16:designElem xmlns:p16="http://schemas.microsoft.com/office/powerpoint/2015/main" val="1"/>
+              </p:ext>
+            </p:extLst>
+          </p:nvPr>
+        </p:nvSpPr>
+        <p:spPr>
+          <a:xfrm>
+            <a:off x="1524" y="0"/>
+            <a:ext cx="12188952" cy="6858000"/>
+          </a:xfrm>
+          <a:prstGeom prst="rect">
+            <a:avLst/>
+          </a:prstGeom>
+          <a:solidFill>
+            <a:schemeClr val="tx1"/>
+          </a:solidFill>
+          <a:ln>
+            <a:noFill/>
+          </a:ln>
+        </p:spPr>
+        <p:style>
+          <a:lnRef idx="2">
+            <a:schemeClr val="accent1">
+              <a:shade val="50000"/>
+            </a:schemeClr>
+          </a:lnRef>
+          <a:fillRef idx="1">
+            <a:schemeClr val="accent1"/>
+          </a:fillRef>
+          <a:effectRef idx="0">
+            <a:schemeClr val="accent1"/>
+          </a:effectRef>
+          <a:fontRef idx="minor">
+            <a:schemeClr val="lt1"/>
+          </a:fontRef>
+        </p:style>
+        <p:txBody>
+          <a:bodyPr rtlCol="0" anchor="ctr"/>
+          <a:lstStyle/>
+          <a:p>
+            <a:pPr algn="ctr"/>
+            <a:endParaRPr lang="en-US"/>
+          </a:p>
+        </p:txBody>
+      </p:sp>
+      <p:sp>
+        <p:nvSpPr>
+          <p:cNvPr id="11" name="Freeform 28">
+            <a:extLst>
+              <a:ext uri="{FF2B5EF4-FFF2-40B4-BE49-F238E27FC236}">
+                <a16:creationId xmlns:a16="http://schemas.microsoft.com/office/drawing/2014/main" id="{3FCC729B-E528-40C3-82D3-BA4375575E87}"/>
+              </a:ext>
+              <a:ext uri="{C183D7F6-B498-43B3-948B-1728B52AA6E4}">
+                <adec:decorative xmlns:adec="http://schemas.microsoft.com/office/drawing/2017/decorative" val="1"/>
+              </a:ext>
+            </a:extLst>
+          </p:cNvPr>
+          <p:cNvSpPr>
+            <a:spLocks noGrp="1" noRot="1" noChangeAspect="1" noMove="1" noResize="1" noEditPoints="1" noAdjustHandles="1" noChangeArrowheads="1" noChangeShapeType="1" noTextEdit="1"/>
+          </p:cNvSpPr>
+          <p:nvPr>
+            <p:extLst>
+              <p:ext uri="{386F3935-93C4-4BCD-93E2-E3B085C9AB24}">
+                <p16:designElem xmlns:p16="http://schemas.microsoft.com/office/powerpoint/2015/main" val="1"/>
+              </p:ext>
+            </p:extLst>
+          </p:nvPr>
+        </p:nvSpPr>
+        <p:spPr>
+          <a:xfrm flipH="1" flipV="1">
+            <a:off x="960120" y="0"/>
+            <a:ext cx="11218661" cy="6858000"/>
+          </a:xfrm>
+          <a:custGeom>
+            <a:avLst/>
+            <a:gdLst>
+              <a:gd name="connsiteX0" fmla="*/ 0 w 11218661"/>
+              <a:gd name="connsiteY0" fmla="*/ 0 h 6858000"/>
+              <a:gd name="connsiteX1" fmla="*/ 8042507 w 11218661"/>
+              <a:gd name="connsiteY1" fmla="*/ 0 h 6858000"/>
+              <a:gd name="connsiteX2" fmla="*/ 11218661 w 11218661"/>
+              <a:gd name="connsiteY2" fmla="*/ 6858000 h 6858000"/>
+              <a:gd name="connsiteX3" fmla="*/ 0 w 11218661"/>
+              <a:gd name="connsiteY3" fmla="*/ 6858000 h 6858000"/>
+            </a:gdLst>
+            <a:ahLst/>
+            <a:cxnLst>
+              <a:cxn ang="0">
+                <a:pos x="connsiteX0" y="connsiteY0"/>
+              </a:cxn>
+              <a:cxn ang="0">
+                <a:pos x="connsiteX1" y="connsiteY1"/>
+              </a:cxn>
+              <a:cxn ang="0">
+                <a:pos x="connsiteX2" y="connsiteY2"/>
+              </a:cxn>
+              <a:cxn ang="0">
+                <a:pos x="connsiteX3" y="connsiteY3"/>
+              </a:cxn>
+            </a:cxnLst>
+            <a:rect l="l" t="t" r="r" b="b"/>
+            <a:pathLst>
+              <a:path w="11218661" h="6858000">
+                <a:moveTo>
+                  <a:pt x="0" y="0"/>
+                </a:moveTo>
+                <a:lnTo>
+                  <a:pt x="8042507" y="0"/>
+                </a:lnTo>
+                <a:lnTo>
+                  <a:pt x="11218661" y="6858000"/>
+                </a:lnTo>
+                <a:lnTo>
+                  <a:pt x="0" y="6858000"/>
+                </a:lnTo>
+                <a:close/>
+              </a:path>
+            </a:pathLst>
+          </a:custGeom>
+          <a:solidFill>
+            <a:schemeClr val="bg1">
+              <a:lumMod val="85000"/>
+              <a:lumOff val="15000"/>
+              <a:alpha val="70000"/>
+            </a:schemeClr>
+          </a:solidFill>
+          <a:ln>
+            <a:noFill/>
+          </a:ln>
+        </p:spPr>
+        <p:style>
+          <a:lnRef idx="2">
+            <a:schemeClr val="accent1">
+              <a:shade val="50000"/>
+            </a:schemeClr>
+          </a:lnRef>
+          <a:fillRef idx="1">
+            <a:schemeClr val="accent1"/>
+          </a:fillRef>
+          <a:effectRef idx="0">
+            <a:schemeClr val="accent1"/>
+          </a:effectRef>
+          <a:fontRef idx="minor">
+            <a:schemeClr val="lt1"/>
+          </a:fontRef>
+        </p:style>
+        <p:txBody>
+          <a:bodyPr wrap="square" rtlCol="0" anchor="ctr">
+            <a:noAutofit/>
+          </a:bodyPr>
+          <a:lstStyle/>
+          <a:p>
+            <a:pPr algn="ctr"/>
+            <a:endParaRPr lang="en-US"/>
+          </a:p>
+        </p:txBody>
+      </p:sp>
+      <p:sp>
+        <p:nvSpPr>
+          <p:cNvPr id="13" name="Freeform 26">
+            <a:extLst>
+              <a:ext uri="{FF2B5EF4-FFF2-40B4-BE49-F238E27FC236}">
+                <a16:creationId xmlns:a16="http://schemas.microsoft.com/office/drawing/2014/main" id="{58F1FB8D-1842-4A04-998D-6CF047AB2790}"/>
+              </a:ext>
+              <a:ext uri="{C183D7F6-B498-43B3-948B-1728B52AA6E4}">
+                <adec:decorative xmlns:adec="http://schemas.microsoft.com/office/drawing/2017/decorative" val="1"/>
+              </a:ext>
+            </a:extLst>
+          </p:cNvPr>
+          <p:cNvSpPr>
+            <a:spLocks noGrp="1" noRot="1" noChangeAspect="1" noMove="1" noResize="1" noEditPoints="1" noAdjustHandles="1" noChangeArrowheads="1" noChangeShapeType="1" noTextEdit="1"/>
+          </p:cNvSpPr>
+          <p:nvPr>
+            <p:extLst>
+              <p:ext uri="{386F3935-93C4-4BCD-93E2-E3B085C9AB24}">
+                <p16:designElem xmlns:p16="http://schemas.microsoft.com/office/powerpoint/2015/main" val="1"/>
+              </p:ext>
+            </p:extLst>
+          </p:nvPr>
+        </p:nvSpPr>
+        <p:spPr>
+          <a:xfrm flipH="1" flipV="1">
+            <a:off x="1420248" y="0"/>
+            <a:ext cx="10771752" cy="6858000"/>
+          </a:xfrm>
+          <a:custGeom>
+            <a:avLst/>
+            <a:gdLst>
+              <a:gd name="connsiteX0" fmla="*/ 0 w 10771752"/>
+              <a:gd name="connsiteY0" fmla="*/ 0 h 6858000"/>
+              <a:gd name="connsiteX1" fmla="*/ 7595598 w 10771752"/>
+              <a:gd name="connsiteY1" fmla="*/ 0 h 6858000"/>
+              <a:gd name="connsiteX2" fmla="*/ 10771752 w 10771752"/>
+              <a:gd name="connsiteY2" fmla="*/ 6858000 h 6858000"/>
+              <a:gd name="connsiteX3" fmla="*/ 0 w 10771752"/>
+              <a:gd name="connsiteY3" fmla="*/ 6858000 h 6858000"/>
+            </a:gdLst>
+            <a:ahLst/>
+            <a:cxnLst>
+              <a:cxn ang="0">
+                <a:pos x="connsiteX0" y="connsiteY0"/>
+              </a:cxn>
+              <a:cxn ang="0">
+                <a:pos x="connsiteX1" y="connsiteY1"/>
+              </a:cxn>
+              <a:cxn ang="0">
+                <a:pos x="connsiteX2" y="connsiteY2"/>
+              </a:cxn>
+              <a:cxn ang="0">
+                <a:pos x="connsiteX3" y="connsiteY3"/>
+              </a:cxn>
+            </a:cxnLst>
+            <a:rect l="l" t="t" r="r" b="b"/>
+            <a:pathLst>
+              <a:path w="10771752" h="6858000">
+                <a:moveTo>
+                  <a:pt x="0" y="0"/>
+                </a:moveTo>
+                <a:lnTo>
+                  <a:pt x="7595598" y="0"/>
+                </a:lnTo>
+                <a:lnTo>
+                  <a:pt x="10771752" y="6858000"/>
+                </a:lnTo>
+                <a:lnTo>
+                  <a:pt x="0" y="6858000"/>
+                </a:lnTo>
+                <a:close/>
+              </a:path>
+            </a:pathLst>
+          </a:custGeom>
+          <a:solidFill>
+            <a:schemeClr val="bg1">
+              <a:lumMod val="85000"/>
+              <a:lumOff val="15000"/>
+            </a:schemeClr>
+          </a:solidFill>
+          <a:ln>
+            <a:noFill/>
+          </a:ln>
+        </p:spPr>
+        <p:style>
+          <a:lnRef idx="2">
+            <a:schemeClr val="accent1">
+              <a:shade val="50000"/>
+            </a:schemeClr>
+          </a:lnRef>
+          <a:fillRef idx="1">
+            <a:schemeClr val="accent1"/>
+          </a:fillRef>
+          <a:effectRef idx="0">
+            <a:schemeClr val="accent1"/>
+          </a:effectRef>
+          <a:fontRef idx="minor">
+            <a:schemeClr val="lt1"/>
+          </a:fontRef>
+        </p:style>
+        <p:txBody>
+          <a:bodyPr wrap="square" rtlCol="0" anchor="ctr">
+            <a:noAutofit/>
+          </a:bodyPr>
+          <a:lstStyle/>
+          <a:p>
+            <a:pPr algn="ctr"/>
+            <a:endParaRPr lang="en-US"/>
           </a:p>
         </p:txBody>
       </p:sp>
       <p:pic>
         <p:nvPicPr>
-          <p:cNvPr id="4" name="Content Placeholder 3"/>
+          <p:cNvPr id="4" name="Picture 3" descr="Image result for kubernetes">
+            <a:hlinkClick r:id="rId2"/>
+            <a:extLst>
+              <a:ext uri="{FF2B5EF4-FFF2-40B4-BE49-F238E27FC236}">
+                <a16:creationId xmlns:a16="http://schemas.microsoft.com/office/drawing/2014/main" id="{1CC1E3B2-3B71-407C-8861-00460CDE7043}"/>
+              </a:ext>
+            </a:extLst>
+          </p:cNvPr>
           <p:cNvPicPr>
-            <a:picLocks noGrp="1" noChangeAspect="1"/>
+            <a:picLocks noChangeAspect="1" noChangeArrowheads="1"/>
           </p:cNvPicPr>
-          <p:nvPr>
-            <p:ph idx="1"/>
-          </p:nvPr>
+          <p:nvPr/>
         </p:nvPicPr>
         <p:blipFill>
-          <a:blip r:embed="rId2">
+          <a:blip r:embed="rId3">
             <a:extLst>
               <a:ext uri="{28A0092B-C50C-407E-A947-70E740481C1C}">
                 <a14:useLocalDpi xmlns:a14="http://schemas.microsoft.com/office/drawing/2010/main" val="0"/>
               </a:ext>
             </a:extLst>
           </a:blip>
+          <a:srcRect/>
           <a:stretch>
             <a:fillRect/>
           </a:stretch>
         </p:blipFill>
+        <p:spPr bwMode="auto">
+          <a:xfrm>
+            <a:off x="480060" y="1756761"/>
+            <a:ext cx="3425957" cy="3343996"/>
+          </a:xfrm>
+          <a:prstGeom prst="rect">
+            <a:avLst/>
+          </a:prstGeom>
+          <a:noFill/>
+          <a:extLst>
+            <a:ext uri="{909E8E84-426E-40DD-AFC4-6F175D3DCCD1}">
+              <a14:hiddenFill xmlns:a14="http://schemas.microsoft.com/office/drawing/2010/main">
+                <a:solidFill>
+                  <a:srgbClr val="FFFFFF"/>
+                </a:solidFill>
+              </a14:hiddenFill>
+            </a:ext>
+          </a:extLst>
+        </p:spPr>
+      </p:pic>
+      <p:sp>
+        <p:nvSpPr>
+          <p:cNvPr id="3" name="Content Placeholder 2">
+            <a:extLst>
+              <a:ext uri="{FF2B5EF4-FFF2-40B4-BE49-F238E27FC236}">
+                <a16:creationId xmlns:a16="http://schemas.microsoft.com/office/drawing/2014/main" id="{F4EE29C0-C23E-42AD-89C5-821ABCAED206}"/>
+              </a:ext>
+            </a:extLst>
+          </p:cNvPr>
+          <p:cNvSpPr>
+            <a:spLocks noGrp="1"/>
+          </p:cNvSpPr>
+          <p:nvPr>
+            <p:ph idx="1"/>
+          </p:nvPr>
+        </p:nvSpPr>
         <p:spPr>
           <a:xfrm>
-            <a:off x="4072690" y="1592359"/>
-            <a:ext cx="7610914" cy="4351338"/>
+            <a:off x="4387515" y="2022601"/>
+            <a:ext cx="7161017" cy="4154361"/>
           </a:xfrm>
         </p:spPr>
-      </p:pic>
+        <p:txBody>
+          <a:bodyPr>
+            <a:normAutofit/>
+          </a:bodyPr>
+          <a:lstStyle/>
+          <a:p>
+            <a:pPr marL="0" indent="0">
+              <a:buNone/>
+            </a:pPr>
+            <a:r>
+              <a:rPr lang="en-US" sz="1700" b="1" dirty="0"/>
+              <a:t>Autoscaling in Kubernetes</a:t>
+            </a:r>
+          </a:p>
+          <a:p>
+            <a:r>
+              <a:rPr lang="en-US" sz="1700" dirty="0"/>
+              <a:t>Autoscaling is an approach to automatically scale workloads up or down based on resource usage. </a:t>
+            </a:r>
+          </a:p>
+          <a:p>
+            <a:r>
+              <a:rPr lang="en-US" sz="1700" dirty="0"/>
+              <a:t>Autoscaling in Kubernetes has two dimensions: </a:t>
+            </a:r>
+          </a:p>
+          <a:p>
+            <a:r>
+              <a:rPr lang="en-US" sz="1700" dirty="0"/>
+              <a:t>the </a:t>
+            </a:r>
+            <a:r>
+              <a:rPr lang="en-US" sz="1700" b="1" dirty="0"/>
+              <a:t>Cluster </a:t>
+            </a:r>
+            <a:r>
+              <a:rPr lang="en-US" sz="1700" b="1" dirty="0" err="1"/>
+              <a:t>Autoscaler</a:t>
+            </a:r>
+            <a:r>
+              <a:rPr lang="en-US" sz="1700" dirty="0"/>
+              <a:t> that deals with node scaling operations and </a:t>
+            </a:r>
+          </a:p>
+          <a:p>
+            <a:r>
+              <a:rPr lang="en-US" sz="1700" dirty="0"/>
+              <a:t>the </a:t>
+            </a:r>
+            <a:r>
+              <a:rPr lang="en-US" sz="1700" b="1" dirty="0"/>
+              <a:t>Horizontal Pod </a:t>
+            </a:r>
+            <a:r>
+              <a:rPr lang="en-US" sz="1700" b="1" dirty="0" err="1"/>
+              <a:t>Autoscaler</a:t>
+            </a:r>
+            <a:r>
+              <a:rPr lang="en-US" sz="1700" b="1" dirty="0"/>
+              <a:t> (HPA)</a:t>
+            </a:r>
+            <a:r>
+              <a:rPr lang="en-US" sz="1700" dirty="0"/>
+              <a:t> that automatically scales the number of pods in a deployment or replica set. </a:t>
+            </a:r>
+          </a:p>
+          <a:p>
+            <a:r>
+              <a:rPr lang="en-US" sz="1700" dirty="0"/>
+              <a:t>The Cluster Autoscaling together with the Horizontal Pod </a:t>
+            </a:r>
+            <a:r>
+              <a:rPr lang="en-US" sz="1700" dirty="0" err="1"/>
+              <a:t>Autoscaler</a:t>
+            </a:r>
+            <a:r>
+              <a:rPr lang="en-US" sz="1700" dirty="0"/>
+              <a:t> (HPA) can be used to dynamically adjust the computing power as well as the level of parallelism that your system needs to meet SLAs. </a:t>
+            </a:r>
+          </a:p>
+          <a:p>
+            <a:r>
+              <a:rPr lang="en-US" sz="1700" dirty="0"/>
+              <a:t>While the Cluster </a:t>
+            </a:r>
+            <a:r>
+              <a:rPr lang="en-US" sz="1700" dirty="0" err="1"/>
+              <a:t>Autoscaler</a:t>
+            </a:r>
+            <a:r>
+              <a:rPr lang="en-US" sz="1700" dirty="0"/>
+              <a:t> is highly dependent on the underlying capabilities of the cloud provider that's hosting your cluster, the HPA can operate independently of your IaaS/PaaS provider. </a:t>
+            </a:r>
+          </a:p>
+          <a:p>
+            <a:endParaRPr lang="en-SG" sz="1700" dirty="0"/>
+          </a:p>
+        </p:txBody>
+      </p:sp>
+    </p:spTree>
+    <p:extLst>
+      <p:ext uri="{BB962C8B-B14F-4D97-AF65-F5344CB8AC3E}">
+        <p14:creationId xmlns:p14="http://schemas.microsoft.com/office/powerpoint/2010/main" val="684173638"/>
+      </p:ext>
+    </p:extLst>
+  </p:cSld>
+  <p:clrMapOvr>
+    <a:overrideClrMapping bg1="dk1" tx1="lt1" bg2="dk2" tx2="lt2" accent1="accent1" accent2="accent2" accent3="accent3" accent4="accent4" accent5="accent5" accent6="accent6" hlink="hlink" folHlink="folHlink"/>
+  </p:clrMapOvr>
+</p:sld>
+</file>
+
+<file path=ppt/slides/slide3.xml><?xml version="1.0" encoding="utf-8"?>
+<p:sld xmlns:a="http://schemas.openxmlformats.org/drawingml/2006/main" xmlns:r="http://schemas.openxmlformats.org/officeDocument/2006/relationships" xmlns:p="http://schemas.openxmlformats.org/presentationml/2006/main">
+  <p:cSld>
+    <p:bg>
+      <p:bgPr>
+        <a:solidFill>
+          <a:schemeClr val="bg1"/>
+        </a:solidFill>
+        <a:effectLst/>
+      </p:bgPr>
+    </p:bg>
+    <p:spTree>
+      <p:nvGrpSpPr>
+        <p:cNvPr id="1" name=""/>
+        <p:cNvGrpSpPr/>
+        <p:nvPr/>
+      </p:nvGrpSpPr>
+      <p:grpSpPr>
+        <a:xfrm>
+          <a:off x="0" y="0"/>
+          <a:ext cx="0" cy="0"/>
+          <a:chOff x="0" y="0"/>
+          <a:chExt cx="0" cy="0"/>
+        </a:xfrm>
+      </p:grpSpPr>
+      <p:sp>
+        <p:nvSpPr>
+          <p:cNvPr id="22" name="Rectangle 21">
+            <a:extLst>
+              <a:ext uri="{FF2B5EF4-FFF2-40B4-BE49-F238E27FC236}">
+                <a16:creationId xmlns:a16="http://schemas.microsoft.com/office/drawing/2014/main" id="{823AC064-BC96-4F32-8AE1-B2FD38754823}"/>
+              </a:ext>
+              <a:ext uri="{C183D7F6-B498-43B3-948B-1728B52AA6E4}">
+                <adec:decorative xmlns:adec="http://schemas.microsoft.com/office/drawing/2017/decorative" val="1"/>
+              </a:ext>
+            </a:extLst>
+          </p:cNvPr>
+          <p:cNvSpPr>
+            <a:spLocks noGrp="1" noRot="1" noChangeAspect="1" noMove="1" noResize="1" noEditPoints="1" noAdjustHandles="1" noChangeArrowheads="1" noChangeShapeType="1" noTextEdit="1"/>
+          </p:cNvSpPr>
+          <p:nvPr>
+            <p:extLst>
+              <p:ext uri="{386F3935-93C4-4BCD-93E2-E3B085C9AB24}">
+                <p16:designElem xmlns:p16="http://schemas.microsoft.com/office/powerpoint/2015/main" val="1"/>
+              </p:ext>
+            </p:extLst>
+          </p:nvPr>
+        </p:nvSpPr>
+        <p:spPr bwMode="ltGray">
+          <a:xfrm>
+            <a:off x="396882" y="280374"/>
+            <a:ext cx="11438793" cy="1844256"/>
+          </a:xfrm>
+          <a:prstGeom prst="rect">
+            <a:avLst/>
+          </a:prstGeom>
+          <a:solidFill>
+            <a:srgbClr val="404040"/>
+          </a:solidFill>
+          <a:ln w="127000" cap="sq" cmpd="thinThick">
+            <a:solidFill>
+              <a:srgbClr val="404040"/>
+            </a:solidFill>
+          </a:ln>
+        </p:spPr>
+        <p:style>
+          <a:lnRef idx="2">
+            <a:schemeClr val="accent1">
+              <a:shade val="50000"/>
+            </a:schemeClr>
+          </a:lnRef>
+          <a:fillRef idx="1">
+            <a:schemeClr val="accent1"/>
+          </a:fillRef>
+          <a:effectRef idx="0">
+            <a:schemeClr val="accent1"/>
+          </a:effectRef>
+          <a:fontRef idx="minor">
+            <a:schemeClr val="lt1"/>
+          </a:fontRef>
+        </p:style>
+        <p:txBody>
+          <a:bodyPr rtlCol="0" anchor="ctr"/>
+          <a:lstStyle/>
+          <a:p>
+            <a:pPr algn="ctr"/>
+            <a:endParaRPr lang="en-US"/>
+          </a:p>
+        </p:txBody>
+      </p:sp>
+      <p:sp>
+        <p:nvSpPr>
+          <p:cNvPr id="2" name="Title 1"/>
+          <p:cNvSpPr>
+            <a:spLocks noGrp="1"/>
+          </p:cNvSpPr>
+          <p:nvPr>
+            <p:ph type="title"/>
+          </p:nvPr>
+        </p:nvSpPr>
+        <p:spPr>
+          <a:xfrm>
+            <a:off x="546351" y="433545"/>
+            <a:ext cx="11139854" cy="930447"/>
+          </a:xfrm>
+        </p:spPr>
+        <p:txBody>
+          <a:bodyPr vert="horz" lIns="91440" tIns="45720" rIns="91440" bIns="45720" rtlCol="0" anchor="b">
+            <a:normAutofit/>
+          </a:bodyPr>
+          <a:lstStyle/>
+          <a:p>
+            <a:pPr algn="ctr"/>
+            <a:r>
+              <a:rPr lang="en-US" sz="3000" b="1">
+                <a:solidFill>
+                  <a:srgbClr val="FFFFFF"/>
+                </a:solidFill>
+              </a:rPr>
+              <a:t>Horizontal Pod Autoscaling</a:t>
+            </a:r>
+            <a:br>
+              <a:rPr lang="en-US" sz="3000" b="1">
+                <a:solidFill>
+                  <a:srgbClr val="FFFFFF"/>
+                </a:solidFill>
+              </a:rPr>
+            </a:br>
+            <a:endParaRPr lang="en-US" sz="3000">
+              <a:solidFill>
+                <a:srgbClr val="FFFFFF"/>
+              </a:solidFill>
+            </a:endParaRPr>
+          </a:p>
+        </p:txBody>
+      </p:sp>
+      <p:cxnSp>
+        <p:nvCxnSpPr>
+          <p:cNvPr id="24" name="Straight Connector 23">
+            <a:extLst>
+              <a:ext uri="{FF2B5EF4-FFF2-40B4-BE49-F238E27FC236}">
+                <a16:creationId xmlns:a16="http://schemas.microsoft.com/office/drawing/2014/main" id="{7E7C77BC-7138-40B1-A15B-20F57A494629}"/>
+              </a:ext>
+              <a:ext uri="{C183D7F6-B498-43B3-948B-1728B52AA6E4}">
+                <adec:decorative xmlns:adec="http://schemas.microsoft.com/office/drawing/2017/decorative" val="1"/>
+              </a:ext>
+            </a:extLst>
+          </p:cNvPr>
+          <p:cNvCxnSpPr>
+            <a:cxnSpLocks noGrp="1" noRot="1" noChangeAspect="1" noMove="1" noResize="1" noEditPoints="1" noAdjustHandles="1" noChangeArrowheads="1" noChangeShapeType="1"/>
+          </p:cNvCxnSpPr>
+          <p:nvPr>
+            <p:extLst>
+              <p:ext uri="{386F3935-93C4-4BCD-93E2-E3B085C9AB24}">
+                <p16:designElem xmlns:p16="http://schemas.microsoft.com/office/powerpoint/2015/main" val="1"/>
+              </p:ext>
+            </p:extLst>
+          </p:nvPr>
+        </p:nvCxnSpPr>
+        <p:spPr>
+          <a:xfrm>
+            <a:off x="2230078" y="1522292"/>
+            <a:ext cx="7772400" cy="0"/>
+          </a:xfrm>
+          <a:prstGeom prst="line">
+            <a:avLst/>
+          </a:prstGeom>
+          <a:ln w="22225">
+            <a:solidFill>
+              <a:srgbClr val="D9D9D9"/>
+            </a:solidFill>
+          </a:ln>
+        </p:spPr>
+        <p:style>
+          <a:lnRef idx="1">
+            <a:schemeClr val="accent1"/>
+          </a:lnRef>
+          <a:fillRef idx="0">
+            <a:schemeClr val="accent1"/>
+          </a:fillRef>
+          <a:effectRef idx="0">
+            <a:schemeClr val="accent1"/>
+          </a:effectRef>
+          <a:fontRef idx="minor">
+            <a:schemeClr val="tx1"/>
+          </a:fontRef>
+        </p:style>
+      </p:cxnSp>
       <p:pic>
         <p:nvPicPr>
           <p:cNvPr id="5" name="Content Placeholder 3"/>
@@ -3264,60 +4297,96 @@
         </p:blipFill>
         <p:spPr>
           <a:xfrm>
-            <a:off x="410546" y="1690688"/>
-            <a:ext cx="3530591" cy="4351338"/>
+            <a:off x="1535427" y="2426818"/>
+            <a:ext cx="3048197" cy="3997637"/>
           </a:xfrm>
           <a:prstGeom prst="rect">
             <a:avLst/>
           </a:prstGeom>
         </p:spPr>
       </p:pic>
-      <p:pic>
-        <p:nvPicPr>
-          <p:cNvPr id="6" name="Picture 3" descr="Image result for kubernetes">
-            <a:hlinkClick r:id="rId4"/>
+      <p:cxnSp>
+        <p:nvCxnSpPr>
+          <p:cNvPr id="26" name="Straight Connector 25">
             <a:extLst>
               <a:ext uri="{FF2B5EF4-FFF2-40B4-BE49-F238E27FC236}">
-                <a16:creationId xmlns:a16="http://schemas.microsoft.com/office/drawing/2014/main" id="{1BDFA39A-6468-4E51-BF96-A837A32FB93E}"/>
+                <a16:creationId xmlns:a16="http://schemas.microsoft.com/office/drawing/2014/main" id="{DB146403-F3D6-484B-B2ED-97F9565D0370}"/>
+              </a:ext>
+              <a:ext uri="{C183D7F6-B498-43B3-948B-1728B52AA6E4}">
+                <adec:decorative xmlns:adec="http://schemas.microsoft.com/office/drawing/2017/decorative" val="1"/>
               </a:ext>
             </a:extLst>
           </p:cNvPr>
+          <p:cNvCxnSpPr>
+            <a:cxnSpLocks noGrp="1" noRot="1" noChangeAspect="1" noMove="1" noResize="1" noEditPoints="1" noAdjustHandles="1" noChangeArrowheads="1" noChangeShapeType="1"/>
+          </p:cNvCxnSpPr>
+          <p:nvPr>
+            <p:extLst>
+              <p:ext uri="{386F3935-93C4-4BCD-93E2-E3B085C9AB24}">
+                <p16:designElem xmlns:p16="http://schemas.microsoft.com/office/powerpoint/2015/main" val="1"/>
+              </p:ext>
+            </p:extLst>
+          </p:nvPr>
+        </p:nvCxnSpPr>
+        <p:spPr>
+          <a:xfrm>
+            <a:off x="6116278" y="2596836"/>
+            <a:ext cx="0" cy="3657600"/>
+          </a:xfrm>
+          <a:prstGeom prst="line">
+            <a:avLst/>
+          </a:prstGeom>
+          <a:ln w="101600" cmpd="dbl">
+            <a:solidFill>
+              <a:srgbClr val="595959"/>
+            </a:solidFill>
+          </a:ln>
+        </p:spPr>
+        <p:style>
+          <a:lnRef idx="1">
+            <a:schemeClr val="accent1"/>
+          </a:lnRef>
+          <a:fillRef idx="0">
+            <a:schemeClr val="accent1"/>
+          </a:fillRef>
+          <a:effectRef idx="0">
+            <a:schemeClr val="accent1"/>
+          </a:effectRef>
+          <a:fontRef idx="minor">
+            <a:schemeClr val="tx1"/>
+          </a:fontRef>
+        </p:style>
+      </p:cxnSp>
+      <p:pic>
+        <p:nvPicPr>
+          <p:cNvPr id="4" name="Content Placeholder 3"/>
           <p:cNvPicPr>
-            <a:picLocks noChangeAspect="1" noChangeArrowheads="1"/>
+            <a:picLocks noGrp="1" noChangeAspect="1"/>
           </p:cNvPicPr>
-          <p:nvPr/>
+          <p:nvPr>
+            <p:ph idx="1"/>
+          </p:nvPr>
         </p:nvPicPr>
         <p:blipFill>
-          <a:blip r:embed="rId5">
+          <a:blip r:embed="rId4" cstate="print">
             <a:extLst>
               <a:ext uri="{28A0092B-C50C-407E-A947-70E740481C1C}">
                 <a14:useLocalDpi xmlns:a14="http://schemas.microsoft.com/office/drawing/2010/main" val="0"/>
               </a:ext>
             </a:extLst>
           </a:blip>
-          <a:srcRect/>
           <a:stretch>
             <a:fillRect/>
           </a:stretch>
         </p:blipFill>
-        <p:spPr bwMode="auto">
+        <p:spPr>
           <a:xfrm>
-            <a:off x="10419243" y="0"/>
-            <a:ext cx="1511453" cy="1475294"/>
+            <a:off x="6445073" y="2863880"/>
+            <a:ext cx="5455917" cy="3123512"/>
           </a:xfrm>
           <a:prstGeom prst="rect">
             <a:avLst/>
           </a:prstGeom>
-          <a:noFill/>
-          <a:extLst>
-            <a:ext uri="{909E8E84-426E-40DD-AFC4-6F175D3DCCD1}">
-              <a14:hiddenFill xmlns:a14="http://schemas.microsoft.com/office/drawing/2010/main">
-                <a:solidFill>
-                  <a:srgbClr val="FFFFFF"/>
-                </a:solidFill>
-              </a14:hiddenFill>
-            </a:ext>
-          </a:extLst>
         </p:spPr>
       </p:pic>
     </p:spTree>
@@ -3333,7 +4402,7 @@
 </p:sld>
 </file>
 
-<file path=ppt/slides/slide3.xml><?xml version="1.0" encoding="utf-8"?>
+<file path=ppt/slides/slide4.xml><?xml version="1.0" encoding="utf-8"?>
 <p:sld xmlns:a="http://schemas.openxmlformats.org/drawingml/2006/main" xmlns:r="http://schemas.openxmlformats.org/officeDocument/2006/relationships" xmlns:p="http://schemas.openxmlformats.org/presentationml/2006/main">
   <p:cSld>
     <p:spTree>
@@ -3439,7 +4508,7 @@
 </p:sld>
 </file>
 
-<file path=ppt/slides/slide4.xml><?xml version="1.0" encoding="utf-8"?>
+<file path=ppt/slides/slide5.xml><?xml version="1.0" encoding="utf-8"?>
 <p:sld xmlns:a="http://schemas.openxmlformats.org/drawingml/2006/main" xmlns:r="http://schemas.openxmlformats.org/officeDocument/2006/relationships" xmlns:p="http://schemas.openxmlformats.org/presentationml/2006/main">
   <p:cSld>
     <p:spTree>
@@ -3814,4 +4883,299 @@
     </a:ext>
   </a:extLst>
 </a:theme>
+</file>
+
+<file path=ppt/theme/theme2.xml><?xml version="1.0" encoding="utf-8"?>
+<a:theme xmlns:a="http://schemas.openxmlformats.org/drawingml/2006/main" name="Office Theme">
+  <a:themeElements>
+    <a:clrScheme name="Office">
+      <a:dk1>
+        <a:sysClr val="windowText" lastClr="000000"/>
+      </a:dk1>
+      <a:lt1>
+        <a:sysClr val="window" lastClr="FFFFFF"/>
+      </a:lt1>
+      <a:dk2>
+        <a:srgbClr val="44546A"/>
+      </a:dk2>
+      <a:lt2>
+        <a:srgbClr val="E7E6E6"/>
+      </a:lt2>
+      <a:accent1>
+        <a:srgbClr val="4472C4"/>
+      </a:accent1>
+      <a:accent2>
+        <a:srgbClr val="ED7D31"/>
+      </a:accent2>
+      <a:accent3>
+        <a:srgbClr val="A5A5A5"/>
+      </a:accent3>
+      <a:accent4>
+        <a:srgbClr val="FFC000"/>
+      </a:accent4>
+      <a:accent5>
+        <a:srgbClr val="5B9BD5"/>
+      </a:accent5>
+      <a:accent6>
+        <a:srgbClr val="70AD47"/>
+      </a:accent6>
+      <a:hlink>
+        <a:srgbClr val="0563C1"/>
+      </a:hlink>
+      <a:folHlink>
+        <a:srgbClr val="954F72"/>
+      </a:folHlink>
+    </a:clrScheme>
+    <a:fontScheme name="Office">
+      <a:majorFont>
+        <a:latin typeface="Calibri Light" panose="020F0302020204030204"/>
+        <a:ea typeface=""/>
+        <a:cs typeface=""/>
+        <a:font script="Jpan" typeface="游ゴシック Light"/>
+        <a:font script="Hang" typeface="맑은 고딕"/>
+        <a:font script="Hans" typeface="等线 Light"/>
+        <a:font script="Hant" typeface="新細明體"/>
+        <a:font script="Arab" typeface="Times New Roman"/>
+        <a:font script="Hebr" typeface="Times New Roman"/>
+        <a:font script="Thai" typeface="Angsana New"/>
+        <a:font script="Ethi" typeface="Nyala"/>
+        <a:font script="Beng" typeface="Vrinda"/>
+        <a:font script="Gujr" typeface="Shruti"/>
+        <a:font script="Khmr" typeface="MoolBoran"/>
+        <a:font script="Knda" typeface="Tunga"/>
+        <a:font script="Guru" typeface="Raavi"/>
+        <a:font script="Cans" typeface="Euphemia"/>
+        <a:font script="Cher" typeface="Plantagenet Cherokee"/>
+        <a:font script="Yiii" typeface="Microsoft Yi Baiti"/>
+        <a:font script="Tibt" typeface="Microsoft Himalaya"/>
+        <a:font script="Thaa" typeface="MV Boli"/>
+        <a:font script="Deva" typeface="Mangal"/>
+        <a:font script="Telu" typeface="Gautami"/>
+        <a:font script="Taml" typeface="Latha"/>
+        <a:font script="Syrc" typeface="Estrangelo Edessa"/>
+        <a:font script="Orya" typeface="Kalinga"/>
+        <a:font script="Mlym" typeface="Kartika"/>
+        <a:font script="Laoo" typeface="DokChampa"/>
+        <a:font script="Sinh" typeface="Iskoola Pota"/>
+        <a:font script="Mong" typeface="Mongolian Baiti"/>
+        <a:font script="Viet" typeface="Times New Roman"/>
+        <a:font script="Uigh" typeface="Microsoft Uighur"/>
+        <a:font script="Geor" typeface="Sylfaen"/>
+        <a:font script="Armn" typeface="Arial"/>
+        <a:font script="Bugi" typeface="Leelawadee UI"/>
+        <a:font script="Bopo" typeface="Microsoft JhengHei"/>
+        <a:font script="Java" typeface="Javanese Text"/>
+        <a:font script="Lisu" typeface="Segoe UI"/>
+        <a:font script="Mymr" typeface="Myanmar Text"/>
+        <a:font script="Nkoo" typeface="Ebrima"/>
+        <a:font script="Olck" typeface="Nirmala UI"/>
+        <a:font script="Osma" typeface="Ebrima"/>
+        <a:font script="Phag" typeface="Phagspa"/>
+        <a:font script="Syrn" typeface="Estrangelo Edessa"/>
+        <a:font script="Syrj" typeface="Estrangelo Edessa"/>
+        <a:font script="Syre" typeface="Estrangelo Edessa"/>
+        <a:font script="Sora" typeface="Nirmala UI"/>
+        <a:font script="Tale" typeface="Microsoft Tai Le"/>
+        <a:font script="Talu" typeface="Microsoft New Tai Lue"/>
+        <a:font script="Tfng" typeface="Ebrima"/>
+      </a:majorFont>
+      <a:minorFont>
+        <a:latin typeface="Calibri" panose="020F0502020204030204"/>
+        <a:ea typeface=""/>
+        <a:cs typeface=""/>
+        <a:font script="Jpan" typeface="游ゴシック"/>
+        <a:font script="Hang" typeface="맑은 고딕"/>
+        <a:font script="Hans" typeface="等线"/>
+        <a:font script="Hant" typeface="新細明體"/>
+        <a:font script="Arab" typeface="Arial"/>
+        <a:font script="Hebr" typeface="Arial"/>
+        <a:font script="Thai" typeface="Cordia New"/>
+        <a:font script="Ethi" typeface="Nyala"/>
+        <a:font script="Beng" typeface="Vrinda"/>
+        <a:font script="Gujr" typeface="Shruti"/>
+        <a:font script="Khmr" typeface="DaunPenh"/>
+        <a:font script="Knda" typeface="Tunga"/>
+        <a:font script="Guru" typeface="Raavi"/>
+        <a:font script="Cans" typeface="Euphemia"/>
+        <a:font script="Cher" typeface="Plantagenet Cherokee"/>
+        <a:font script="Yiii" typeface="Microsoft Yi Baiti"/>
+        <a:font script="Tibt" typeface="Microsoft Himalaya"/>
+        <a:font script="Thaa" typeface="MV Boli"/>
+        <a:font script="Deva" typeface="Mangal"/>
+        <a:font script="Telu" typeface="Gautami"/>
+        <a:font script="Taml" typeface="Latha"/>
+        <a:font script="Syrc" typeface="Estrangelo Edessa"/>
+        <a:font script="Orya" typeface="Kalinga"/>
+        <a:font script="Mlym" typeface="Kartika"/>
+        <a:font script="Laoo" typeface="DokChampa"/>
+        <a:font script="Sinh" typeface="Iskoola Pota"/>
+        <a:font script="Mong" typeface="Mongolian Baiti"/>
+        <a:font script="Viet" typeface="Arial"/>
+        <a:font script="Uigh" typeface="Microsoft Uighur"/>
+        <a:font script="Geor" typeface="Sylfaen"/>
+        <a:font script="Armn" typeface="Arial"/>
+        <a:font script="Bugi" typeface="Leelawadee UI"/>
+        <a:font script="Bopo" typeface="Microsoft JhengHei"/>
+        <a:font script="Java" typeface="Javanese Text"/>
+        <a:font script="Lisu" typeface="Segoe UI"/>
+        <a:font script="Mymr" typeface="Myanmar Text"/>
+        <a:font script="Nkoo" typeface="Ebrima"/>
+        <a:font script="Olck" typeface="Nirmala UI"/>
+        <a:font script="Osma" typeface="Ebrima"/>
+        <a:font script="Phag" typeface="Phagspa"/>
+        <a:font script="Syrn" typeface="Estrangelo Edessa"/>
+        <a:font script="Syrj" typeface="Estrangelo Edessa"/>
+        <a:font script="Syre" typeface="Estrangelo Edessa"/>
+        <a:font script="Sora" typeface="Nirmala UI"/>
+        <a:font script="Tale" typeface="Microsoft Tai Le"/>
+        <a:font script="Talu" typeface="Microsoft New Tai Lue"/>
+        <a:font script="Tfng" typeface="Ebrima"/>
+      </a:minorFont>
+    </a:fontScheme>
+    <a:fmtScheme name="Office">
+      <a:fillStyleLst>
+        <a:solidFill>
+          <a:schemeClr val="phClr"/>
+        </a:solidFill>
+        <a:gradFill rotWithShape="1">
+          <a:gsLst>
+            <a:gs pos="0">
+              <a:schemeClr val="phClr">
+                <a:lumMod val="110000"/>
+                <a:satMod val="105000"/>
+                <a:tint val="67000"/>
+              </a:schemeClr>
+            </a:gs>
+            <a:gs pos="50000">
+              <a:schemeClr val="phClr">
+                <a:lumMod val="105000"/>
+                <a:satMod val="103000"/>
+                <a:tint val="73000"/>
+              </a:schemeClr>
+            </a:gs>
+            <a:gs pos="100000">
+              <a:schemeClr val="phClr">
+                <a:lumMod val="105000"/>
+                <a:satMod val="109000"/>
+                <a:tint val="81000"/>
+              </a:schemeClr>
+            </a:gs>
+          </a:gsLst>
+          <a:lin ang="5400000" scaled="0"/>
+        </a:gradFill>
+        <a:gradFill rotWithShape="1">
+          <a:gsLst>
+            <a:gs pos="0">
+              <a:schemeClr val="phClr">
+                <a:satMod val="103000"/>
+                <a:lumMod val="102000"/>
+                <a:tint val="94000"/>
+              </a:schemeClr>
+            </a:gs>
+            <a:gs pos="50000">
+              <a:schemeClr val="phClr">
+                <a:satMod val="110000"/>
+                <a:lumMod val="100000"/>
+                <a:shade val="100000"/>
+              </a:schemeClr>
+            </a:gs>
+            <a:gs pos="100000">
+              <a:schemeClr val="phClr">
+                <a:lumMod val="99000"/>
+                <a:satMod val="120000"/>
+                <a:shade val="78000"/>
+              </a:schemeClr>
+            </a:gs>
+          </a:gsLst>
+          <a:lin ang="5400000" scaled="0"/>
+        </a:gradFill>
+      </a:fillStyleLst>
+      <a:lnStyleLst>
+        <a:ln w="6350" cap="flat" cmpd="sng" algn="ctr">
+          <a:solidFill>
+            <a:schemeClr val="phClr"/>
+          </a:solidFill>
+          <a:prstDash val="solid"/>
+          <a:miter lim="800000"/>
+        </a:ln>
+        <a:ln w="12700" cap="flat" cmpd="sng" algn="ctr">
+          <a:solidFill>
+            <a:schemeClr val="phClr"/>
+          </a:solidFill>
+          <a:prstDash val="solid"/>
+          <a:miter lim="800000"/>
+        </a:ln>
+        <a:ln w="19050" cap="flat" cmpd="sng" algn="ctr">
+          <a:solidFill>
+            <a:schemeClr val="phClr"/>
+          </a:solidFill>
+          <a:prstDash val="solid"/>
+          <a:miter lim="800000"/>
+        </a:ln>
+      </a:lnStyleLst>
+      <a:effectStyleLst>
+        <a:effectStyle>
+          <a:effectLst/>
+        </a:effectStyle>
+        <a:effectStyle>
+          <a:effectLst/>
+        </a:effectStyle>
+        <a:effectStyle>
+          <a:effectLst>
+            <a:outerShdw blurRad="57150" dist="19050" dir="5400000" algn="ctr" rotWithShape="0">
+              <a:srgbClr val="000000">
+                <a:alpha val="63000"/>
+              </a:srgbClr>
+            </a:outerShdw>
+          </a:effectLst>
+        </a:effectStyle>
+      </a:effectStyleLst>
+      <a:bgFillStyleLst>
+        <a:solidFill>
+          <a:schemeClr val="phClr"/>
+        </a:solidFill>
+        <a:solidFill>
+          <a:schemeClr val="phClr">
+            <a:tint val="95000"/>
+            <a:satMod val="170000"/>
+          </a:schemeClr>
+        </a:solidFill>
+        <a:gradFill rotWithShape="1">
+          <a:gsLst>
+            <a:gs pos="0">
+              <a:schemeClr val="phClr">
+                <a:tint val="93000"/>
+                <a:satMod val="150000"/>
+                <a:shade val="98000"/>
+                <a:lumMod val="102000"/>
+              </a:schemeClr>
+            </a:gs>
+            <a:gs pos="50000">
+              <a:schemeClr val="phClr">
+                <a:tint val="98000"/>
+                <a:satMod val="130000"/>
+                <a:shade val="90000"/>
+                <a:lumMod val="103000"/>
+              </a:schemeClr>
+            </a:gs>
+            <a:gs pos="100000">
+              <a:schemeClr val="phClr">
+                <a:shade val="63000"/>
+                <a:satMod val="120000"/>
+              </a:schemeClr>
+            </a:gs>
+          </a:gsLst>
+          <a:lin ang="5400000" scaled="0"/>
+        </a:gradFill>
+      </a:bgFillStyleLst>
+    </a:fmtScheme>
+  </a:themeElements>
+  <a:objectDefaults/>
+  <a:extraClrSchemeLst/>
+  <a:extLst>
+    <a:ext uri="{05A4C25C-085E-4340-85A3-A5531E510DB2}">
+      <thm15:themeFamily xmlns:thm15="http://schemas.microsoft.com/office/thememl/2012/main" name="Office Theme" id="{62F939B6-93AF-4DB8-9C6B-D6C7DFDC589F}" vid="{4A3C46E8-61CC-4603-A589-7422A47A8E4A}"/>
+    </a:ext>
+  </a:extLst>
+</a:theme>
 </file>